--- a/doc/system.pptx
+++ b/doc/system.pptx
@@ -104,6 +104,11 @@
       </a:defRPr>
     </a:lvl9pPr>
   </p:defaultTextStyle>
+  <p:extLst>
+    <p:ext uri="{EFAFB233-063F-42B5-8137-9DF3F51BA10A}">
+      <p15:sldGuideLst xmlns:p15="http://schemas.microsoft.com/office/powerpoint/2012/main"/>
+    </p:ext>
+  </p:extLst>
 </p:presentation>
 </file>
 
@@ -3623,7 +3628,7 @@
         </p:nvSpPr>
         <p:spPr>
           <a:xfrm>
-            <a:off x="6648353" y="609934"/>
+            <a:off x="6096000" y="541354"/>
             <a:ext cx="5283817" cy="5318058"/>
           </a:xfrm>
           <a:prstGeom prst="rect">
@@ -3677,8 +3682,8 @@
         </p:nvSpPr>
         <p:spPr>
           <a:xfrm>
-            <a:off x="1144814" y="603057"/>
-            <a:ext cx="5038093" cy="2124048"/>
+            <a:off x="592461" y="534477"/>
+            <a:ext cx="5038093" cy="3881406"/>
           </a:xfrm>
           <a:prstGeom prst="rect">
             <a:avLst/>
@@ -3731,7 +3736,7 @@
         </p:nvSpPr>
         <p:spPr>
           <a:xfrm>
-            <a:off x="8777049" y="1169481"/>
+            <a:off x="8224696" y="1100901"/>
             <a:ext cx="2152188" cy="1356849"/>
           </a:xfrm>
           <a:prstGeom prst="wedgeRoundRectCallout">
@@ -3790,7 +3795,7 @@
         </p:nvGrpSpPr>
         <p:grpSpPr>
           <a:xfrm>
-            <a:off x="6841235" y="830927"/>
+            <a:off x="6288882" y="762347"/>
             <a:ext cx="1731564" cy="1619837"/>
             <a:chOff x="4046366" y="1809163"/>
             <a:chExt cx="1731564" cy="1619837"/>
@@ -4158,7 +4163,7 @@
         </p:nvSpPr>
         <p:spPr>
           <a:xfrm>
-            <a:off x="7116623" y="3926549"/>
+            <a:off x="6564270" y="3857969"/>
             <a:ext cx="1180791" cy="1180791"/>
           </a:xfrm>
           <a:prstGeom prst="roundRect">
@@ -4217,7 +4222,7 @@
         </p:nvSpPr>
         <p:spPr>
           <a:xfrm>
-            <a:off x="7224418" y="4951156"/>
+            <a:off x="6672065" y="4882576"/>
             <a:ext cx="276580" cy="206734"/>
           </a:xfrm>
           <a:prstGeom prst="roundRect">
@@ -4280,7 +4285,7 @@
         </p:nvSpPr>
         <p:spPr>
           <a:xfrm>
-            <a:off x="7568727" y="4951156"/>
+            <a:off x="7016374" y="4882576"/>
             <a:ext cx="276580" cy="206734"/>
           </a:xfrm>
           <a:prstGeom prst="roundRect">
@@ -4343,7 +4348,7 @@
         </p:nvSpPr>
         <p:spPr>
           <a:xfrm>
-            <a:off x="7913038" y="4951156"/>
+            <a:off x="7360685" y="4882576"/>
             <a:ext cx="276580" cy="206734"/>
           </a:xfrm>
           <a:prstGeom prst="roundRect">
@@ -4406,7 +4411,7 @@
         </p:nvSpPr>
         <p:spPr>
           <a:xfrm>
-            <a:off x="8683295" y="3926549"/>
+            <a:off x="8130942" y="3857969"/>
             <a:ext cx="1180791" cy="1180791"/>
           </a:xfrm>
           <a:prstGeom prst="roundRect">
@@ -4465,7 +4470,7 @@
         </p:nvSpPr>
         <p:spPr>
           <a:xfrm>
-            <a:off x="8791090" y="4951156"/>
+            <a:off x="8238737" y="4882576"/>
             <a:ext cx="276580" cy="206734"/>
           </a:xfrm>
           <a:prstGeom prst="roundRect">
@@ -4528,7 +4533,7 @@
         </p:nvSpPr>
         <p:spPr>
           <a:xfrm>
-            <a:off x="9135399" y="4951156"/>
+            <a:off x="8583046" y="4882576"/>
             <a:ext cx="276580" cy="206734"/>
           </a:xfrm>
           <a:prstGeom prst="roundRect">
@@ -4591,7 +4596,7 @@
         </p:nvSpPr>
         <p:spPr>
           <a:xfrm>
-            <a:off x="9479710" y="4951156"/>
+            <a:off x="8927357" y="4882576"/>
             <a:ext cx="276580" cy="206734"/>
           </a:xfrm>
           <a:prstGeom prst="roundRect">
@@ -4654,7 +4659,7 @@
         </p:nvSpPr>
         <p:spPr>
           <a:xfrm>
-            <a:off x="10237564" y="3926549"/>
+            <a:off x="9685211" y="3857969"/>
             <a:ext cx="1180791" cy="1180791"/>
           </a:xfrm>
           <a:prstGeom prst="roundRect">
@@ -4713,7 +4718,7 @@
         </p:nvSpPr>
         <p:spPr>
           <a:xfrm>
-            <a:off x="10876201" y="4951156"/>
+            <a:off x="10323848" y="4882576"/>
             <a:ext cx="459298" cy="206734"/>
           </a:xfrm>
           <a:prstGeom prst="roundRect">
@@ -4776,7 +4781,7 @@
         </p:nvSpPr>
         <p:spPr>
           <a:xfrm>
-            <a:off x="10341136" y="4951156"/>
+            <a:off x="9788783" y="4882576"/>
             <a:ext cx="459298" cy="206734"/>
           </a:xfrm>
           <a:prstGeom prst="roundRect">
@@ -4837,7 +4842,7 @@
         </p:nvSpPr>
         <p:spPr>
           <a:xfrm>
-            <a:off x="7224289" y="3537445"/>
+            <a:off x="6671936" y="3468865"/>
             <a:ext cx="965329" cy="338554"/>
           </a:xfrm>
           <a:prstGeom prst="rect">
@@ -4898,7 +4903,7 @@
         </p:nvSpPr>
         <p:spPr>
           <a:xfrm>
-            <a:off x="8790961" y="3537445"/>
+            <a:off x="8238608" y="3468865"/>
             <a:ext cx="965329" cy="338554"/>
           </a:xfrm>
           <a:prstGeom prst="rect">
@@ -4959,7 +4964,7 @@
         </p:nvSpPr>
         <p:spPr>
           <a:xfrm>
-            <a:off x="10300410" y="3537445"/>
+            <a:off x="9748057" y="3468865"/>
             <a:ext cx="1055097" cy="338554"/>
           </a:xfrm>
           <a:prstGeom prst="rect">
@@ -5012,7 +5017,7 @@
         </p:nvCxnSpPr>
         <p:spPr>
           <a:xfrm>
-            <a:off x="7704200" y="2576483"/>
+            <a:off x="7151847" y="2507903"/>
             <a:ext cx="2754" cy="960962"/>
           </a:xfrm>
           <a:prstGeom prst="straightConnector1">
@@ -5056,7 +5061,7 @@
         </p:nvCxnSpPr>
         <p:spPr>
           <a:xfrm>
-            <a:off x="10827958" y="2829008"/>
+            <a:off x="10275605" y="2760428"/>
             <a:ext cx="0" cy="680571"/>
           </a:xfrm>
           <a:prstGeom prst="straightConnector1">
@@ -5100,7 +5105,7 @@
         </p:nvCxnSpPr>
         <p:spPr>
           <a:xfrm>
-            <a:off x="9266079" y="2829008"/>
+            <a:off x="8713726" y="2760428"/>
             <a:ext cx="7546" cy="669371"/>
           </a:xfrm>
           <a:prstGeom prst="straightConnector1">
@@ -5142,7 +5147,7 @@
         </p:nvCxnSpPr>
         <p:spPr>
           <a:xfrm>
-            <a:off x="7704200" y="2829008"/>
+            <a:off x="7151847" y="2760428"/>
             <a:ext cx="3123758" cy="0"/>
           </a:xfrm>
           <a:prstGeom prst="line">
@@ -5183,7 +5188,7 @@
         </p:nvSpPr>
         <p:spPr>
           <a:xfrm>
-            <a:off x="6948286" y="2887793"/>
+            <a:off x="6395933" y="2819213"/>
             <a:ext cx="732893" cy="584775"/>
           </a:xfrm>
           <a:prstGeom prst="rect">
@@ -5239,7 +5244,7 @@
         </p:nvSpPr>
         <p:spPr>
           <a:xfrm>
-            <a:off x="7188491" y="5464604"/>
+            <a:off x="6636138" y="5396024"/>
             <a:ext cx="325730" cy="338554"/>
           </a:xfrm>
           <a:prstGeom prst="rect">
@@ -5282,7 +5287,7 @@
         </p:nvSpPr>
         <p:spPr>
           <a:xfrm>
-            <a:off x="7541334" y="5464604"/>
+            <a:off x="6988981" y="5396024"/>
             <a:ext cx="325731" cy="338554"/>
           </a:xfrm>
           <a:prstGeom prst="rect">
@@ -5333,7 +5338,7 @@
         </p:nvSpPr>
         <p:spPr>
           <a:xfrm>
-            <a:off x="7893272" y="5464604"/>
+            <a:off x="7340919" y="5396024"/>
             <a:ext cx="316112" cy="338554"/>
           </a:xfrm>
           <a:prstGeom prst="rect">
@@ -5376,7 +5381,7 @@
         </p:nvSpPr>
         <p:spPr>
           <a:xfrm>
-            <a:off x="8756718" y="5464604"/>
+            <a:off x="8204365" y="5396024"/>
             <a:ext cx="328936" cy="338554"/>
           </a:xfrm>
           <a:prstGeom prst="rect">
@@ -5427,7 +5432,7 @@
         </p:nvSpPr>
         <p:spPr>
           <a:xfrm>
-            <a:off x="9914803" y="5464604"/>
+            <a:off x="9362450" y="5396024"/>
             <a:ext cx="971741" cy="338554"/>
           </a:xfrm>
           <a:prstGeom prst="rect">
@@ -5489,7 +5494,7 @@
         </p:nvSpPr>
         <p:spPr>
           <a:xfrm>
-            <a:off x="10837562" y="5464604"/>
+            <a:off x="10285209" y="5396024"/>
             <a:ext cx="971741" cy="338554"/>
           </a:xfrm>
           <a:prstGeom prst="rect">
@@ -5553,7 +5558,7 @@
         </p:nvCxnSpPr>
         <p:spPr>
           <a:xfrm>
-            <a:off x="7337221" y="5216852"/>
+            <a:off x="6784868" y="5148272"/>
             <a:ext cx="0" cy="226812"/>
           </a:xfrm>
           <a:prstGeom prst="line">
@@ -5599,7 +5604,7 @@
         </p:nvCxnSpPr>
         <p:spPr>
           <a:xfrm>
-            <a:off x="7699025" y="5222672"/>
+            <a:off x="7146672" y="5154092"/>
             <a:ext cx="0" cy="226812"/>
           </a:xfrm>
           <a:prstGeom prst="line">
@@ -5645,7 +5650,7 @@
         </p:nvCxnSpPr>
         <p:spPr>
           <a:xfrm>
-            <a:off x="8046865" y="5228492"/>
+            <a:off x="7494512" y="5159912"/>
             <a:ext cx="0" cy="226812"/>
           </a:xfrm>
           <a:prstGeom prst="line">
@@ -5691,7 +5696,7 @@
         </p:nvCxnSpPr>
         <p:spPr>
           <a:xfrm>
-            <a:off x="8918220" y="5234312"/>
+            <a:off x="8365867" y="5165732"/>
             <a:ext cx="0" cy="226812"/>
           </a:xfrm>
           <a:prstGeom prst="line">
@@ -5737,7 +5742,7 @@
         </p:nvCxnSpPr>
         <p:spPr>
           <a:xfrm>
-            <a:off x="10564376" y="5240129"/>
+            <a:off x="10012023" y="5171549"/>
             <a:ext cx="0" cy="226812"/>
           </a:xfrm>
           <a:prstGeom prst="line">
@@ -5783,7 +5788,7 @@
         </p:nvCxnSpPr>
         <p:spPr>
           <a:xfrm>
-            <a:off x="11135585" y="5245948"/>
+            <a:off x="10583232" y="5177368"/>
             <a:ext cx="0" cy="226812"/>
           </a:xfrm>
           <a:prstGeom prst="line">
@@ -5841,7 +5846,7 @@
         </p:blipFill>
         <p:spPr>
           <a:xfrm>
-            <a:off x="4571196" y="1321866"/>
+            <a:off x="4018843" y="1253286"/>
             <a:ext cx="904199" cy="904199"/>
           </a:xfrm>
           <a:prstGeom prst="rect">
@@ -5863,7 +5868,7 @@
         </p:nvSpPr>
         <p:spPr>
           <a:xfrm>
-            <a:off x="8927396" y="1212234"/>
+            <a:off x="8375043" y="1143654"/>
             <a:ext cx="1917513" cy="1165127"/>
           </a:xfrm>
           <a:prstGeom prst="rect">
@@ -5962,7 +5967,7 @@
         </p:nvSpPr>
         <p:spPr>
           <a:xfrm>
-            <a:off x="4371747" y="2247438"/>
+            <a:off x="3819394" y="2178858"/>
             <a:ext cx="2153230" cy="369332"/>
           </a:xfrm>
           <a:prstGeom prst="rect">
@@ -6026,7 +6031,7 @@
         </p:blipFill>
         <p:spPr>
           <a:xfrm>
-            <a:off x="2967239" y="1321867"/>
+            <a:off x="2414886" y="1253287"/>
             <a:ext cx="904199" cy="904199"/>
           </a:xfrm>
           <a:prstGeom prst="rect">
@@ -6048,7 +6053,7 @@
         </p:nvSpPr>
         <p:spPr>
           <a:xfrm>
-            <a:off x="2491575" y="2247438"/>
+            <a:off x="1939222" y="2178858"/>
             <a:ext cx="1823574" cy="369332"/>
           </a:xfrm>
           <a:prstGeom prst="rect">
@@ -6072,7 +6077,7 @@
                   </a:schemeClr>
                 </a:solidFill>
               </a:rPr>
-              <a:t>udp_cliant.py</a:t>
+              <a:t>csv_test.py</a:t>
             </a:r>
             <a:endParaRPr kumimoji="1" lang="ja-JP" altLang="en-US" sz="1800" b="1">
               <a:solidFill>
@@ -6103,7 +6108,7 @@
         </p:nvCxnSpPr>
         <p:spPr>
           <a:xfrm flipV="1">
-            <a:off x="3871438" y="1773966"/>
+            <a:off x="3319085" y="1705386"/>
             <a:ext cx="699758" cy="1"/>
           </a:xfrm>
           <a:prstGeom prst="straightConnector1">
@@ -6145,7 +6150,7 @@
         </p:nvSpPr>
         <p:spPr>
           <a:xfrm>
-            <a:off x="3866173" y="1390102"/>
+            <a:off x="3313820" y="1321522"/>
             <a:ext cx="700833" cy="369332"/>
           </a:xfrm>
           <a:prstGeom prst="rect">
@@ -6191,7 +6196,7 @@
         </p:nvCxnSpPr>
         <p:spPr>
           <a:xfrm>
-            <a:off x="5745075" y="1765919"/>
+            <a:off x="5192722" y="1697339"/>
             <a:ext cx="990346" cy="0"/>
           </a:xfrm>
           <a:prstGeom prst="straightConnector1">
@@ -6233,7 +6238,7 @@
         </p:nvSpPr>
         <p:spPr>
           <a:xfrm>
-            <a:off x="5804065" y="1366607"/>
+            <a:off x="5251712" y="1298027"/>
             <a:ext cx="829073" cy="369332"/>
           </a:xfrm>
           <a:prstGeom prst="rect">
@@ -6279,7 +6284,7 @@
         </p:nvCxnSpPr>
         <p:spPr>
           <a:xfrm flipH="1">
-            <a:off x="5598771" y="1900698"/>
+            <a:off x="5046418" y="1832118"/>
             <a:ext cx="1354623" cy="0"/>
           </a:xfrm>
           <a:prstGeom prst="line">
@@ -6323,7 +6328,7 @@
         </p:nvSpPr>
         <p:spPr>
           <a:xfrm>
-            <a:off x="3391363" y="808711"/>
+            <a:off x="2839010" y="740131"/>
             <a:ext cx="474810" cy="338554"/>
           </a:xfrm>
           <a:prstGeom prst="rect">
@@ -6373,7 +6378,7 @@
         </p:nvSpPr>
         <p:spPr>
           <a:xfrm>
-            <a:off x="1259187" y="2244884"/>
+            <a:off x="706834" y="2176304"/>
             <a:ext cx="1180791" cy="369332"/>
           </a:xfrm>
           <a:prstGeom prst="rect">
@@ -6437,7 +6442,7 @@
         </p:blipFill>
         <p:spPr>
           <a:xfrm>
-            <a:off x="1345837" y="1322529"/>
+            <a:off x="793484" y="1253949"/>
             <a:ext cx="914400" cy="914400"/>
           </a:xfrm>
           <a:prstGeom prst="rect">
@@ -6463,7 +6468,7 @@
         </p:nvCxnSpPr>
         <p:spPr>
           <a:xfrm flipH="1">
-            <a:off x="2260237" y="1773967"/>
+            <a:off x="1707884" y="1705387"/>
             <a:ext cx="707002" cy="5762"/>
           </a:xfrm>
           <a:prstGeom prst="straightConnector1">
@@ -6505,7 +6510,7 @@
         </p:nvSpPr>
         <p:spPr>
           <a:xfrm>
-            <a:off x="2260237" y="1382628"/>
+            <a:off x="1707884" y="1314048"/>
             <a:ext cx="686406" cy="369332"/>
           </a:xfrm>
           <a:prstGeom prst="rect">
@@ -6549,7 +6554,7 @@
         </p:nvSpPr>
         <p:spPr>
           <a:xfrm>
-            <a:off x="8424513" y="2891896"/>
+            <a:off x="7872160" y="2823316"/>
             <a:ext cx="732893" cy="584775"/>
           </a:xfrm>
           <a:prstGeom prst="rect">
@@ -6605,7 +6610,7 @@
         </p:nvSpPr>
         <p:spPr>
           <a:xfrm>
-            <a:off x="10023807" y="2926544"/>
+            <a:off x="9471454" y="2857964"/>
             <a:ext cx="753732" cy="523220"/>
           </a:xfrm>
           <a:prstGeom prst="rect">
@@ -6647,6 +6652,140 @@
           </a:p>
         </p:txBody>
       </p:sp>
+      <p:pic>
+        <p:nvPicPr>
+          <p:cNvPr id="2" name="グラフィックス 1" descr="ドキュメント 枠線">
+            <a:extLst>
+              <a:ext uri="{FF2B5EF4-FFF2-40B4-BE49-F238E27FC236}">
+                <a16:creationId xmlns:a16="http://schemas.microsoft.com/office/drawing/2014/main" id="{11AE6616-6237-C539-3D4B-AB71A2DA28DA}"/>
+              </a:ext>
+            </a:extLst>
+          </p:cNvPr>
+          <p:cNvPicPr>
+            <a:picLocks noChangeAspect="1"/>
+          </p:cNvPicPr>
+          <p:nvPr/>
+        </p:nvPicPr>
+        <p:blipFill>
+          <a:blip r:embed="rId2">
+            <a:extLst>
+              <a:ext uri="{96DAC541-7B7A-43D3-8B79-37D633B846F1}">
+                <asvg:svgBlip xmlns:asvg="http://schemas.microsoft.com/office/drawing/2016/SVG/main" r:embed="rId3"/>
+              </a:ext>
+            </a:extLst>
+          </a:blip>
+          <a:stretch>
+            <a:fillRect/>
+          </a:stretch>
+        </p:blipFill>
+        <p:spPr>
+          <a:xfrm>
+            <a:off x="2446720" y="2976900"/>
+            <a:ext cx="904199" cy="904199"/>
+          </a:xfrm>
+          <a:prstGeom prst="rect">
+            <a:avLst/>
+          </a:prstGeom>
+        </p:spPr>
+      </p:pic>
+      <p:sp>
+        <p:nvSpPr>
+          <p:cNvPr id="3" name="テキスト ボックス 2">
+            <a:extLst>
+              <a:ext uri="{FF2B5EF4-FFF2-40B4-BE49-F238E27FC236}">
+                <a16:creationId xmlns:a16="http://schemas.microsoft.com/office/drawing/2014/main" id="{D435FC93-3831-84BA-01E7-073010EFBD64}"/>
+              </a:ext>
+            </a:extLst>
+          </p:cNvPr>
+          <p:cNvSpPr txBox="1"/>
+          <p:nvPr/>
+        </p:nvSpPr>
+        <p:spPr>
+          <a:xfrm>
+            <a:off x="1948032" y="3881099"/>
+            <a:ext cx="1823574" cy="369332"/>
+          </a:xfrm>
+          <a:prstGeom prst="rect">
+            <a:avLst/>
+          </a:prstGeom>
+          <a:noFill/>
+        </p:spPr>
+        <p:txBody>
+          <a:bodyPr wrap="square">
+            <a:spAutoFit/>
+          </a:bodyPr>
+          <a:lstStyle/>
+          <a:p>
+            <a:pPr algn="ctr"/>
+            <a:r>
+              <a:rPr kumimoji="1" lang="en-US" altLang="ja-JP" sz="1800" b="1" dirty="0" err="1">
+                <a:solidFill>
+                  <a:schemeClr val="tx1">
+                    <a:lumMod val="65000"/>
+                    <a:lumOff val="35000"/>
+                  </a:schemeClr>
+                </a:solidFill>
+              </a:rPr>
+              <a:t>udp_cliant.py</a:t>
+            </a:r>
+            <a:endParaRPr kumimoji="1" lang="ja-JP" altLang="en-US" sz="1800" b="1">
+              <a:solidFill>
+                <a:schemeClr val="tx1">
+                  <a:lumMod val="65000"/>
+                  <a:lumOff val="35000"/>
+                </a:schemeClr>
+              </a:solidFill>
+            </a:endParaRPr>
+          </a:p>
+        </p:txBody>
+      </p:sp>
+      <p:cxnSp>
+        <p:nvCxnSpPr>
+          <p:cNvPr id="18" name="直線矢印コネクタ 17">
+            <a:extLst>
+              <a:ext uri="{FF2B5EF4-FFF2-40B4-BE49-F238E27FC236}">
+                <a16:creationId xmlns:a16="http://schemas.microsoft.com/office/drawing/2014/main" id="{106A2470-3EE8-DCE2-5368-26D5772C6CE3}"/>
+              </a:ext>
+            </a:extLst>
+          </p:cNvPr>
+          <p:cNvCxnSpPr>
+            <a:cxnSpLocks/>
+          </p:cNvCxnSpPr>
+          <p:nvPr/>
+        </p:nvCxnSpPr>
+        <p:spPr>
+          <a:xfrm flipV="1">
+            <a:off x="2861313" y="2545636"/>
+            <a:ext cx="0" cy="431264"/>
+          </a:xfrm>
+          <a:prstGeom prst="straightConnector1">
+            <a:avLst/>
+          </a:prstGeom>
+          <a:ln w="38100">
+            <a:solidFill>
+              <a:schemeClr val="tx1">
+                <a:lumMod val="50000"/>
+                <a:lumOff val="50000"/>
+              </a:schemeClr>
+            </a:solidFill>
+            <a:tailEnd type="triangle"/>
+          </a:ln>
+        </p:spPr>
+        <p:style>
+          <a:lnRef idx="1">
+            <a:schemeClr val="accent1"/>
+          </a:lnRef>
+          <a:fillRef idx="0">
+            <a:schemeClr val="accent1"/>
+          </a:fillRef>
+          <a:effectRef idx="0">
+            <a:schemeClr val="accent1"/>
+          </a:effectRef>
+          <a:fontRef idx="minor">
+            <a:schemeClr val="tx1"/>
+          </a:fontRef>
+        </p:style>
+      </p:cxnSp>
     </p:spTree>
     <p:extLst>
       <p:ext uri="{BB962C8B-B14F-4D97-AF65-F5344CB8AC3E}">

--- a/doc/system.pptx
+++ b/doc/system.pptx
@@ -259,7 +259,7 @@
           <a:p>
             <a:fld id="{CE5E021E-6257-DD47-A32D-8B33FED8CA7F}" type="datetimeFigureOut">
               <a:rPr kumimoji="1" lang="ja-JP" altLang="en-US" smtClean="0"/>
-              <a:t>2022/8/25</a:t>
+              <a:t>2022/8/26</a:t>
             </a:fld>
             <a:endParaRPr kumimoji="1" lang="ja-JP" altLang="en-US"/>
           </a:p>
@@ -489,7 +489,7 @@
           <a:p>
             <a:fld id="{CE5E021E-6257-DD47-A32D-8B33FED8CA7F}" type="datetimeFigureOut">
               <a:rPr kumimoji="1" lang="ja-JP" altLang="en-US" smtClean="0"/>
-              <a:t>2022/8/25</a:t>
+              <a:t>2022/8/26</a:t>
             </a:fld>
             <a:endParaRPr kumimoji="1" lang="ja-JP" altLang="en-US"/>
           </a:p>
@@ -729,7 +729,7 @@
           <a:p>
             <a:fld id="{CE5E021E-6257-DD47-A32D-8B33FED8CA7F}" type="datetimeFigureOut">
               <a:rPr kumimoji="1" lang="ja-JP" altLang="en-US" smtClean="0"/>
-              <a:t>2022/8/25</a:t>
+              <a:t>2022/8/26</a:t>
             </a:fld>
             <a:endParaRPr kumimoji="1" lang="ja-JP" altLang="en-US"/>
           </a:p>
@@ -959,7 +959,7 @@
           <a:p>
             <a:fld id="{CE5E021E-6257-DD47-A32D-8B33FED8CA7F}" type="datetimeFigureOut">
               <a:rPr kumimoji="1" lang="ja-JP" altLang="en-US" smtClean="0"/>
-              <a:t>2022/8/25</a:t>
+              <a:t>2022/8/26</a:t>
             </a:fld>
             <a:endParaRPr kumimoji="1" lang="ja-JP" altLang="en-US"/>
           </a:p>
@@ -1234,7 +1234,7 @@
           <a:p>
             <a:fld id="{CE5E021E-6257-DD47-A32D-8B33FED8CA7F}" type="datetimeFigureOut">
               <a:rPr kumimoji="1" lang="ja-JP" altLang="en-US" smtClean="0"/>
-              <a:t>2022/8/25</a:t>
+              <a:t>2022/8/26</a:t>
             </a:fld>
             <a:endParaRPr kumimoji="1" lang="ja-JP" altLang="en-US"/>
           </a:p>
@@ -1563,7 +1563,7 @@
           <a:p>
             <a:fld id="{CE5E021E-6257-DD47-A32D-8B33FED8CA7F}" type="datetimeFigureOut">
               <a:rPr kumimoji="1" lang="ja-JP" altLang="en-US" smtClean="0"/>
-              <a:t>2022/8/25</a:t>
+              <a:t>2022/8/26</a:t>
             </a:fld>
             <a:endParaRPr kumimoji="1" lang="ja-JP" altLang="en-US"/>
           </a:p>
@@ -2039,7 +2039,7 @@
           <a:p>
             <a:fld id="{CE5E021E-6257-DD47-A32D-8B33FED8CA7F}" type="datetimeFigureOut">
               <a:rPr kumimoji="1" lang="ja-JP" altLang="en-US" smtClean="0"/>
-              <a:t>2022/8/25</a:t>
+              <a:t>2022/8/26</a:t>
             </a:fld>
             <a:endParaRPr kumimoji="1" lang="ja-JP" altLang="en-US"/>
           </a:p>
@@ -2180,7 +2180,7 @@
           <a:p>
             <a:fld id="{CE5E021E-6257-DD47-A32D-8B33FED8CA7F}" type="datetimeFigureOut">
               <a:rPr kumimoji="1" lang="ja-JP" altLang="en-US" smtClean="0"/>
-              <a:t>2022/8/25</a:t>
+              <a:t>2022/8/26</a:t>
             </a:fld>
             <a:endParaRPr kumimoji="1" lang="ja-JP" altLang="en-US"/>
           </a:p>
@@ -2293,7 +2293,7 @@
           <a:p>
             <a:fld id="{CE5E021E-6257-DD47-A32D-8B33FED8CA7F}" type="datetimeFigureOut">
               <a:rPr kumimoji="1" lang="ja-JP" altLang="en-US" smtClean="0"/>
-              <a:t>2022/8/25</a:t>
+              <a:t>2022/8/26</a:t>
             </a:fld>
             <a:endParaRPr kumimoji="1" lang="ja-JP" altLang="en-US"/>
           </a:p>
@@ -2636,7 +2636,7 @@
           <a:p>
             <a:fld id="{CE5E021E-6257-DD47-A32D-8B33FED8CA7F}" type="datetimeFigureOut">
               <a:rPr kumimoji="1" lang="ja-JP" altLang="en-US" smtClean="0"/>
-              <a:t>2022/8/25</a:t>
+              <a:t>2022/8/26</a:t>
             </a:fld>
             <a:endParaRPr kumimoji="1" lang="ja-JP" altLang="en-US"/>
           </a:p>
@@ -2924,7 +2924,7 @@
           <a:p>
             <a:fld id="{CE5E021E-6257-DD47-A32D-8B33FED8CA7F}" type="datetimeFigureOut">
               <a:rPr kumimoji="1" lang="ja-JP" altLang="en-US" smtClean="0"/>
-              <a:t>2022/8/25</a:t>
+              <a:t>2022/8/26</a:t>
             </a:fld>
             <a:endParaRPr kumimoji="1" lang="ja-JP" altLang="en-US"/>
           </a:p>
@@ -3197,7 +3197,7 @@
           <a:p>
             <a:fld id="{CE5E021E-6257-DD47-A32D-8B33FED8CA7F}" type="datetimeFigureOut">
               <a:rPr kumimoji="1" lang="ja-JP" altLang="en-US" smtClean="0"/>
-              <a:t>2022/8/25</a:t>
+              <a:t>2022/8/26</a:t>
             </a:fld>
             <a:endParaRPr kumimoji="1" lang="ja-JP" altLang="en-US"/>
           </a:p>
@@ -3628,8 +3628,8 @@
         </p:nvSpPr>
         <p:spPr>
           <a:xfrm>
-            <a:off x="6096000" y="541354"/>
-            <a:ext cx="5283817" cy="5318058"/>
+            <a:off x="6073756" y="541354"/>
+            <a:ext cx="5306062" cy="5318058"/>
           </a:xfrm>
           <a:prstGeom prst="rect">
             <a:avLst/>
@@ -3683,7 +3683,7 @@
         <p:spPr>
           <a:xfrm>
             <a:off x="592461" y="534477"/>
-            <a:ext cx="5038093" cy="3881406"/>
+            <a:ext cx="4946239" cy="2225951"/>
           </a:xfrm>
           <a:prstGeom prst="rect">
             <a:avLst/>
@@ -3737,7 +3737,7 @@
         <p:spPr>
           <a:xfrm>
             <a:off x="8224696" y="1100901"/>
-            <a:ext cx="2152188" cy="1356849"/>
+            <a:ext cx="2152188" cy="1272537"/>
           </a:xfrm>
           <a:prstGeom prst="wedgeRoundRectCallout">
             <a:avLst>
@@ -5967,7 +5967,7 @@
         </p:nvSpPr>
         <p:spPr>
           <a:xfrm>
-            <a:off x="3819394" y="2178858"/>
+            <a:off x="3682047" y="2178857"/>
             <a:ext cx="2153230" cy="369332"/>
           </a:xfrm>
           <a:prstGeom prst="rect">
@@ -6077,7 +6077,7 @@
                   </a:schemeClr>
                 </a:solidFill>
               </a:rPr>
-              <a:t>csv_test.py</a:t>
+              <a:t>csv_gcode.py</a:t>
             </a:r>
             <a:endParaRPr kumimoji="1" lang="ja-JP" altLang="en-US" sz="1800" b="1">
               <a:solidFill>
@@ -6196,7 +6196,7 @@
         </p:nvCxnSpPr>
         <p:spPr>
           <a:xfrm>
-            <a:off x="5192722" y="1697339"/>
+            <a:off x="5249284" y="1697339"/>
             <a:ext cx="990346" cy="0"/>
           </a:xfrm>
           <a:prstGeom prst="straightConnector1">
@@ -6238,7 +6238,7 @@
         </p:nvSpPr>
         <p:spPr>
           <a:xfrm>
-            <a:off x="5251712" y="1298027"/>
+            <a:off x="5308274" y="1298027"/>
             <a:ext cx="829073" cy="369332"/>
           </a:xfrm>
           <a:prstGeom prst="rect">
@@ -6652,140 +6652,6 @@
           </a:p>
         </p:txBody>
       </p:sp>
-      <p:pic>
-        <p:nvPicPr>
-          <p:cNvPr id="2" name="グラフィックス 1" descr="ドキュメント 枠線">
-            <a:extLst>
-              <a:ext uri="{FF2B5EF4-FFF2-40B4-BE49-F238E27FC236}">
-                <a16:creationId xmlns:a16="http://schemas.microsoft.com/office/drawing/2014/main" id="{11AE6616-6237-C539-3D4B-AB71A2DA28DA}"/>
-              </a:ext>
-            </a:extLst>
-          </p:cNvPr>
-          <p:cNvPicPr>
-            <a:picLocks noChangeAspect="1"/>
-          </p:cNvPicPr>
-          <p:nvPr/>
-        </p:nvPicPr>
-        <p:blipFill>
-          <a:blip r:embed="rId2">
-            <a:extLst>
-              <a:ext uri="{96DAC541-7B7A-43D3-8B79-37D633B846F1}">
-                <asvg:svgBlip xmlns:asvg="http://schemas.microsoft.com/office/drawing/2016/SVG/main" r:embed="rId3"/>
-              </a:ext>
-            </a:extLst>
-          </a:blip>
-          <a:stretch>
-            <a:fillRect/>
-          </a:stretch>
-        </p:blipFill>
-        <p:spPr>
-          <a:xfrm>
-            <a:off x="2446720" y="2976900"/>
-            <a:ext cx="904199" cy="904199"/>
-          </a:xfrm>
-          <a:prstGeom prst="rect">
-            <a:avLst/>
-          </a:prstGeom>
-        </p:spPr>
-      </p:pic>
-      <p:sp>
-        <p:nvSpPr>
-          <p:cNvPr id="3" name="テキスト ボックス 2">
-            <a:extLst>
-              <a:ext uri="{FF2B5EF4-FFF2-40B4-BE49-F238E27FC236}">
-                <a16:creationId xmlns:a16="http://schemas.microsoft.com/office/drawing/2014/main" id="{D435FC93-3831-84BA-01E7-073010EFBD64}"/>
-              </a:ext>
-            </a:extLst>
-          </p:cNvPr>
-          <p:cNvSpPr txBox="1"/>
-          <p:nvPr/>
-        </p:nvSpPr>
-        <p:spPr>
-          <a:xfrm>
-            <a:off x="1948032" y="3881099"/>
-            <a:ext cx="1823574" cy="369332"/>
-          </a:xfrm>
-          <a:prstGeom prst="rect">
-            <a:avLst/>
-          </a:prstGeom>
-          <a:noFill/>
-        </p:spPr>
-        <p:txBody>
-          <a:bodyPr wrap="square">
-            <a:spAutoFit/>
-          </a:bodyPr>
-          <a:lstStyle/>
-          <a:p>
-            <a:pPr algn="ctr"/>
-            <a:r>
-              <a:rPr kumimoji="1" lang="en-US" altLang="ja-JP" sz="1800" b="1" dirty="0" err="1">
-                <a:solidFill>
-                  <a:schemeClr val="tx1">
-                    <a:lumMod val="65000"/>
-                    <a:lumOff val="35000"/>
-                  </a:schemeClr>
-                </a:solidFill>
-              </a:rPr>
-              <a:t>udp_cliant.py</a:t>
-            </a:r>
-            <a:endParaRPr kumimoji="1" lang="ja-JP" altLang="en-US" sz="1800" b="1">
-              <a:solidFill>
-                <a:schemeClr val="tx1">
-                  <a:lumMod val="65000"/>
-                  <a:lumOff val="35000"/>
-                </a:schemeClr>
-              </a:solidFill>
-            </a:endParaRPr>
-          </a:p>
-        </p:txBody>
-      </p:sp>
-      <p:cxnSp>
-        <p:nvCxnSpPr>
-          <p:cNvPr id="18" name="直線矢印コネクタ 17">
-            <a:extLst>
-              <a:ext uri="{FF2B5EF4-FFF2-40B4-BE49-F238E27FC236}">
-                <a16:creationId xmlns:a16="http://schemas.microsoft.com/office/drawing/2014/main" id="{106A2470-3EE8-DCE2-5368-26D5772C6CE3}"/>
-              </a:ext>
-            </a:extLst>
-          </p:cNvPr>
-          <p:cNvCxnSpPr>
-            <a:cxnSpLocks/>
-          </p:cNvCxnSpPr>
-          <p:nvPr/>
-        </p:nvCxnSpPr>
-        <p:spPr>
-          <a:xfrm flipV="1">
-            <a:off x="2861313" y="2545636"/>
-            <a:ext cx="0" cy="431264"/>
-          </a:xfrm>
-          <a:prstGeom prst="straightConnector1">
-            <a:avLst/>
-          </a:prstGeom>
-          <a:ln w="38100">
-            <a:solidFill>
-              <a:schemeClr val="tx1">
-                <a:lumMod val="50000"/>
-                <a:lumOff val="50000"/>
-              </a:schemeClr>
-            </a:solidFill>
-            <a:tailEnd type="triangle"/>
-          </a:ln>
-        </p:spPr>
-        <p:style>
-          <a:lnRef idx="1">
-            <a:schemeClr val="accent1"/>
-          </a:lnRef>
-          <a:fillRef idx="0">
-            <a:schemeClr val="accent1"/>
-          </a:fillRef>
-          <a:effectRef idx="0">
-            <a:schemeClr val="accent1"/>
-          </a:effectRef>
-          <a:fontRef idx="minor">
-            <a:schemeClr val="tx1"/>
-          </a:fontRef>
-        </p:style>
-      </p:cxnSp>
     </p:spTree>
     <p:extLst>
       <p:ext uri="{BB962C8B-B14F-4D97-AF65-F5344CB8AC3E}">

--- a/doc/system.pptx
+++ b/doc/system.pptx
@@ -4,8 +4,12 @@
   <p:sldMasterIdLst>
     <p:sldMasterId id="2147483648" r:id="rId1"/>
   </p:sldMasterIdLst>
+  <p:notesMasterIdLst>
+    <p:notesMasterId r:id="rId4"/>
+  </p:notesMasterIdLst>
   <p:sldIdLst>
     <p:sldId id="256" r:id="rId2"/>
+    <p:sldId id="257" r:id="rId3"/>
   </p:sldIdLst>
   <p:sldSz cx="12192000" cy="6858000"/>
   <p:notesSz cx="6858000" cy="9144000"/>
@@ -110,6 +114,471 @@
     </p:ext>
   </p:extLst>
 </p:presentation>
+</file>
+
+<file path=ppt/notesMasters/notesMaster1.xml><?xml version="1.0" encoding="utf-8"?>
+<p:notesMaster xmlns:a="http://schemas.openxmlformats.org/drawingml/2006/main" xmlns:r="http://schemas.openxmlformats.org/officeDocument/2006/relationships" xmlns:p="http://schemas.openxmlformats.org/presentationml/2006/main">
+  <p:cSld>
+    <p:bg>
+      <p:bgRef idx="1001">
+        <a:schemeClr val="bg1"/>
+      </p:bgRef>
+    </p:bg>
+    <p:spTree>
+      <p:nvGrpSpPr>
+        <p:cNvPr id="1" name=""/>
+        <p:cNvGrpSpPr/>
+        <p:nvPr/>
+      </p:nvGrpSpPr>
+      <p:grpSpPr>
+        <a:xfrm>
+          <a:off x="0" y="0"/>
+          <a:ext cx="0" cy="0"/>
+          <a:chOff x="0" y="0"/>
+          <a:chExt cx="0" cy="0"/>
+        </a:xfrm>
+      </p:grpSpPr>
+      <p:sp>
+        <p:nvSpPr>
+          <p:cNvPr id="2" name="ヘッダー プレースホルダー 1"/>
+          <p:cNvSpPr>
+            <a:spLocks noGrp="1"/>
+          </p:cNvSpPr>
+          <p:nvPr>
+            <p:ph type="hdr" sz="quarter"/>
+          </p:nvPr>
+        </p:nvSpPr>
+        <p:spPr>
+          <a:xfrm>
+            <a:off x="0" y="0"/>
+            <a:ext cx="2971800" cy="458788"/>
+          </a:xfrm>
+          <a:prstGeom prst="rect">
+            <a:avLst/>
+          </a:prstGeom>
+        </p:spPr>
+        <p:txBody>
+          <a:bodyPr vert="horz" lIns="91440" tIns="45720" rIns="91440" bIns="45720" rtlCol="0"/>
+          <a:lstStyle>
+            <a:lvl1pPr algn="l">
+              <a:defRPr sz="1200"/>
+            </a:lvl1pPr>
+          </a:lstStyle>
+          <a:p>
+            <a:endParaRPr kumimoji="1" lang="ja-JP" altLang="en-US"/>
+          </a:p>
+        </p:txBody>
+      </p:sp>
+      <p:sp>
+        <p:nvSpPr>
+          <p:cNvPr id="3" name="日付プレースホルダー 2"/>
+          <p:cNvSpPr>
+            <a:spLocks noGrp="1"/>
+          </p:cNvSpPr>
+          <p:nvPr>
+            <p:ph type="dt" idx="1"/>
+          </p:nvPr>
+        </p:nvSpPr>
+        <p:spPr>
+          <a:xfrm>
+            <a:off x="3884613" y="0"/>
+            <a:ext cx="2971800" cy="458788"/>
+          </a:xfrm>
+          <a:prstGeom prst="rect">
+            <a:avLst/>
+          </a:prstGeom>
+        </p:spPr>
+        <p:txBody>
+          <a:bodyPr vert="horz" lIns="91440" tIns="45720" rIns="91440" bIns="45720" rtlCol="0"/>
+          <a:lstStyle>
+            <a:lvl1pPr algn="r">
+              <a:defRPr sz="1200"/>
+            </a:lvl1pPr>
+          </a:lstStyle>
+          <a:p>
+            <a:fld id="{DA761FD4-4DDE-8E4D-84B9-A7501F3AB1F9}" type="datetimeFigureOut">
+              <a:rPr kumimoji="1" lang="ja-JP" altLang="en-US" smtClean="0"/>
+              <a:t>2022/8/26</a:t>
+            </a:fld>
+            <a:endParaRPr kumimoji="1" lang="ja-JP" altLang="en-US"/>
+          </a:p>
+        </p:txBody>
+      </p:sp>
+      <p:sp>
+        <p:nvSpPr>
+          <p:cNvPr id="4" name="スライド イメージ プレースホルダー 3"/>
+          <p:cNvSpPr>
+            <a:spLocks noGrp="1" noRot="1" noChangeAspect="1"/>
+          </p:cNvSpPr>
+          <p:nvPr>
+            <p:ph type="sldImg" idx="2"/>
+          </p:nvPr>
+        </p:nvSpPr>
+        <p:spPr>
+          <a:xfrm>
+            <a:off x="685800" y="1143000"/>
+            <a:ext cx="5486400" cy="3086100"/>
+          </a:xfrm>
+          <a:prstGeom prst="rect">
+            <a:avLst/>
+          </a:prstGeom>
+          <a:noFill/>
+          <a:ln w="12700">
+            <a:solidFill>
+              <a:prstClr val="black"/>
+            </a:solidFill>
+          </a:ln>
+        </p:spPr>
+        <p:txBody>
+          <a:bodyPr vert="horz" lIns="91440" tIns="45720" rIns="91440" bIns="45720" rtlCol="0" anchor="ctr"/>
+          <a:lstStyle/>
+          <a:p>
+            <a:endParaRPr lang="ja-JP" altLang="en-US"/>
+          </a:p>
+        </p:txBody>
+      </p:sp>
+      <p:sp>
+        <p:nvSpPr>
+          <p:cNvPr id="5" name="ノート プレースホルダー 4"/>
+          <p:cNvSpPr>
+            <a:spLocks noGrp="1"/>
+          </p:cNvSpPr>
+          <p:nvPr>
+            <p:ph type="body" sz="quarter" idx="3"/>
+          </p:nvPr>
+        </p:nvSpPr>
+        <p:spPr>
+          <a:xfrm>
+            <a:off x="685800" y="4400550"/>
+            <a:ext cx="5486400" cy="3600450"/>
+          </a:xfrm>
+          <a:prstGeom prst="rect">
+            <a:avLst/>
+          </a:prstGeom>
+        </p:spPr>
+        <p:txBody>
+          <a:bodyPr vert="horz" lIns="91440" tIns="45720" rIns="91440" bIns="45720" rtlCol="0"/>
+          <a:lstStyle/>
+          <a:p>
+            <a:pPr lvl="0"/>
+            <a:r>
+              <a:rPr kumimoji="1" lang="ja-JP" altLang="en-US"/>
+              <a:t>マスター テキストの書式設定</a:t>
+            </a:r>
+          </a:p>
+          <a:p>
+            <a:pPr lvl="1"/>
+            <a:r>
+              <a:rPr kumimoji="1" lang="ja-JP" altLang="en-US"/>
+              <a:t>第 </a:t>
+            </a:r>
+            <a:r>
+              <a:rPr kumimoji="1" lang="en-US" altLang="ja-JP"/>
+              <a:t>2 </a:t>
+            </a:r>
+            <a:r>
+              <a:rPr kumimoji="1" lang="ja-JP" altLang="en-US"/>
+              <a:t>レベル</a:t>
+            </a:r>
+          </a:p>
+          <a:p>
+            <a:pPr lvl="2"/>
+            <a:r>
+              <a:rPr kumimoji="1" lang="ja-JP" altLang="en-US"/>
+              <a:t>第 </a:t>
+            </a:r>
+            <a:r>
+              <a:rPr kumimoji="1" lang="en-US" altLang="ja-JP"/>
+              <a:t>3 </a:t>
+            </a:r>
+            <a:r>
+              <a:rPr kumimoji="1" lang="ja-JP" altLang="en-US"/>
+              <a:t>レベル</a:t>
+            </a:r>
+          </a:p>
+          <a:p>
+            <a:pPr lvl="3"/>
+            <a:r>
+              <a:rPr kumimoji="1" lang="ja-JP" altLang="en-US"/>
+              <a:t>第 </a:t>
+            </a:r>
+            <a:r>
+              <a:rPr kumimoji="1" lang="en-US" altLang="ja-JP"/>
+              <a:t>4 </a:t>
+            </a:r>
+            <a:r>
+              <a:rPr kumimoji="1" lang="ja-JP" altLang="en-US"/>
+              <a:t>レベル</a:t>
+            </a:r>
+          </a:p>
+          <a:p>
+            <a:pPr lvl="4"/>
+            <a:r>
+              <a:rPr kumimoji="1" lang="ja-JP" altLang="en-US"/>
+              <a:t>第 </a:t>
+            </a:r>
+            <a:r>
+              <a:rPr kumimoji="1" lang="en-US" altLang="ja-JP"/>
+              <a:t>5 </a:t>
+            </a:r>
+            <a:r>
+              <a:rPr kumimoji="1" lang="ja-JP" altLang="en-US"/>
+              <a:t>レベル</a:t>
+            </a:r>
+          </a:p>
+        </p:txBody>
+      </p:sp>
+      <p:sp>
+        <p:nvSpPr>
+          <p:cNvPr id="6" name="フッター プレースホルダー 5"/>
+          <p:cNvSpPr>
+            <a:spLocks noGrp="1"/>
+          </p:cNvSpPr>
+          <p:nvPr>
+            <p:ph type="ftr" sz="quarter" idx="4"/>
+          </p:nvPr>
+        </p:nvSpPr>
+        <p:spPr>
+          <a:xfrm>
+            <a:off x="0" y="8685213"/>
+            <a:ext cx="2971800" cy="458787"/>
+          </a:xfrm>
+          <a:prstGeom prst="rect">
+            <a:avLst/>
+          </a:prstGeom>
+        </p:spPr>
+        <p:txBody>
+          <a:bodyPr vert="horz" lIns="91440" tIns="45720" rIns="91440" bIns="45720" rtlCol="0" anchor="b"/>
+          <a:lstStyle>
+            <a:lvl1pPr algn="l">
+              <a:defRPr sz="1200"/>
+            </a:lvl1pPr>
+          </a:lstStyle>
+          <a:p>
+            <a:endParaRPr kumimoji="1" lang="ja-JP" altLang="en-US"/>
+          </a:p>
+        </p:txBody>
+      </p:sp>
+      <p:sp>
+        <p:nvSpPr>
+          <p:cNvPr id="7" name="スライド番号プレースホルダー 6"/>
+          <p:cNvSpPr>
+            <a:spLocks noGrp="1"/>
+          </p:cNvSpPr>
+          <p:nvPr>
+            <p:ph type="sldNum" sz="quarter" idx="5"/>
+          </p:nvPr>
+        </p:nvSpPr>
+        <p:spPr>
+          <a:xfrm>
+            <a:off x="3884613" y="8685213"/>
+            <a:ext cx="2971800" cy="458787"/>
+          </a:xfrm>
+          <a:prstGeom prst="rect">
+            <a:avLst/>
+          </a:prstGeom>
+        </p:spPr>
+        <p:txBody>
+          <a:bodyPr vert="horz" lIns="91440" tIns="45720" rIns="91440" bIns="45720" rtlCol="0" anchor="b"/>
+          <a:lstStyle>
+            <a:lvl1pPr algn="r">
+              <a:defRPr sz="1200"/>
+            </a:lvl1pPr>
+          </a:lstStyle>
+          <a:p>
+            <a:fld id="{C4D11EA1-1CDE-3A48-ABF3-C0A6115CD9E0}" type="slidenum">
+              <a:rPr kumimoji="1" lang="ja-JP" altLang="en-US" smtClean="0"/>
+              <a:t>‹#›</a:t>
+            </a:fld>
+            <a:endParaRPr kumimoji="1" lang="ja-JP" altLang="en-US"/>
+          </a:p>
+        </p:txBody>
+      </p:sp>
+    </p:spTree>
+    <p:extLst>
+      <p:ext uri="{BB962C8B-B14F-4D97-AF65-F5344CB8AC3E}">
+        <p14:creationId xmlns:p14="http://schemas.microsoft.com/office/powerpoint/2010/main" val="2084594951"/>
+      </p:ext>
+    </p:extLst>
+  </p:cSld>
+  <p:clrMap bg1="lt1" tx1="dk1" bg2="lt2" tx2="dk2" accent1="accent1" accent2="accent2" accent3="accent3" accent4="accent4" accent5="accent5" accent6="accent6" hlink="hlink" folHlink="folHlink"/>
+  <p:notesStyle>
+    <a:lvl1pPr marL="0" algn="l" defTabSz="914400" rtl="0" eaLnBrk="1" latinLnBrk="0" hangingPunct="1">
+      <a:defRPr kumimoji="1" sz="1200" kern="1200">
+        <a:solidFill>
+          <a:schemeClr val="tx1"/>
+        </a:solidFill>
+        <a:latin typeface="+mn-lt"/>
+        <a:ea typeface="+mn-ea"/>
+        <a:cs typeface="+mn-cs"/>
+      </a:defRPr>
+    </a:lvl1pPr>
+    <a:lvl2pPr marL="457200" algn="l" defTabSz="914400" rtl="0" eaLnBrk="1" latinLnBrk="0" hangingPunct="1">
+      <a:defRPr kumimoji="1" sz="1200" kern="1200">
+        <a:solidFill>
+          <a:schemeClr val="tx1"/>
+        </a:solidFill>
+        <a:latin typeface="+mn-lt"/>
+        <a:ea typeface="+mn-ea"/>
+        <a:cs typeface="+mn-cs"/>
+      </a:defRPr>
+    </a:lvl2pPr>
+    <a:lvl3pPr marL="914400" algn="l" defTabSz="914400" rtl="0" eaLnBrk="1" latinLnBrk="0" hangingPunct="1">
+      <a:defRPr kumimoji="1" sz="1200" kern="1200">
+        <a:solidFill>
+          <a:schemeClr val="tx1"/>
+        </a:solidFill>
+        <a:latin typeface="+mn-lt"/>
+        <a:ea typeface="+mn-ea"/>
+        <a:cs typeface="+mn-cs"/>
+      </a:defRPr>
+    </a:lvl3pPr>
+    <a:lvl4pPr marL="1371600" algn="l" defTabSz="914400" rtl="0" eaLnBrk="1" latinLnBrk="0" hangingPunct="1">
+      <a:defRPr kumimoji="1" sz="1200" kern="1200">
+        <a:solidFill>
+          <a:schemeClr val="tx1"/>
+        </a:solidFill>
+        <a:latin typeface="+mn-lt"/>
+        <a:ea typeface="+mn-ea"/>
+        <a:cs typeface="+mn-cs"/>
+      </a:defRPr>
+    </a:lvl4pPr>
+    <a:lvl5pPr marL="1828800" algn="l" defTabSz="914400" rtl="0" eaLnBrk="1" latinLnBrk="0" hangingPunct="1">
+      <a:defRPr kumimoji="1" sz="1200" kern="1200">
+        <a:solidFill>
+          <a:schemeClr val="tx1"/>
+        </a:solidFill>
+        <a:latin typeface="+mn-lt"/>
+        <a:ea typeface="+mn-ea"/>
+        <a:cs typeface="+mn-cs"/>
+      </a:defRPr>
+    </a:lvl5pPr>
+    <a:lvl6pPr marL="2286000" algn="l" defTabSz="914400" rtl="0" eaLnBrk="1" latinLnBrk="0" hangingPunct="1">
+      <a:defRPr kumimoji="1" sz="1200" kern="1200">
+        <a:solidFill>
+          <a:schemeClr val="tx1"/>
+        </a:solidFill>
+        <a:latin typeface="+mn-lt"/>
+        <a:ea typeface="+mn-ea"/>
+        <a:cs typeface="+mn-cs"/>
+      </a:defRPr>
+    </a:lvl6pPr>
+    <a:lvl7pPr marL="2743200" algn="l" defTabSz="914400" rtl="0" eaLnBrk="1" latinLnBrk="0" hangingPunct="1">
+      <a:defRPr kumimoji="1" sz="1200" kern="1200">
+        <a:solidFill>
+          <a:schemeClr val="tx1"/>
+        </a:solidFill>
+        <a:latin typeface="+mn-lt"/>
+        <a:ea typeface="+mn-ea"/>
+        <a:cs typeface="+mn-cs"/>
+      </a:defRPr>
+    </a:lvl7pPr>
+    <a:lvl8pPr marL="3200400" algn="l" defTabSz="914400" rtl="0" eaLnBrk="1" latinLnBrk="0" hangingPunct="1">
+      <a:defRPr kumimoji="1" sz="1200" kern="1200">
+        <a:solidFill>
+          <a:schemeClr val="tx1"/>
+        </a:solidFill>
+        <a:latin typeface="+mn-lt"/>
+        <a:ea typeface="+mn-ea"/>
+        <a:cs typeface="+mn-cs"/>
+      </a:defRPr>
+    </a:lvl8pPr>
+    <a:lvl9pPr marL="3657600" algn="l" defTabSz="914400" rtl="0" eaLnBrk="1" latinLnBrk="0" hangingPunct="1">
+      <a:defRPr kumimoji="1" sz="1200" kern="1200">
+        <a:solidFill>
+          <a:schemeClr val="tx1"/>
+        </a:solidFill>
+        <a:latin typeface="+mn-lt"/>
+        <a:ea typeface="+mn-ea"/>
+        <a:cs typeface="+mn-cs"/>
+      </a:defRPr>
+    </a:lvl9pPr>
+  </p:notesStyle>
+</p:notesMaster>
+</file>
+
+<file path=ppt/notesSlides/notesSlide1.xml><?xml version="1.0" encoding="utf-8"?>
+<p:notes xmlns:a="http://schemas.openxmlformats.org/drawingml/2006/main" xmlns:r="http://schemas.openxmlformats.org/officeDocument/2006/relationships" xmlns:p="http://schemas.openxmlformats.org/presentationml/2006/main">
+  <p:cSld>
+    <p:spTree>
+      <p:nvGrpSpPr>
+        <p:cNvPr id="1" name=""/>
+        <p:cNvGrpSpPr/>
+        <p:nvPr/>
+      </p:nvGrpSpPr>
+      <p:grpSpPr>
+        <a:xfrm>
+          <a:off x="0" y="0"/>
+          <a:ext cx="0" cy="0"/>
+          <a:chOff x="0" y="0"/>
+          <a:chExt cx="0" cy="0"/>
+        </a:xfrm>
+      </p:grpSpPr>
+      <p:sp>
+        <p:nvSpPr>
+          <p:cNvPr id="2" name="スライド イメージ プレースホルダー 1"/>
+          <p:cNvSpPr>
+            <a:spLocks noGrp="1" noRot="1" noChangeAspect="1"/>
+          </p:cNvSpPr>
+          <p:nvPr>
+            <p:ph type="sldImg"/>
+          </p:nvPr>
+        </p:nvSpPr>
+        <p:spPr/>
+      </p:sp>
+      <p:sp>
+        <p:nvSpPr>
+          <p:cNvPr id="3" name="ノート プレースホルダー 2"/>
+          <p:cNvSpPr>
+            <a:spLocks noGrp="1"/>
+          </p:cNvSpPr>
+          <p:nvPr>
+            <p:ph type="body" idx="1"/>
+          </p:nvPr>
+        </p:nvSpPr>
+        <p:spPr/>
+        <p:txBody>
+          <a:bodyPr/>
+          <a:lstStyle/>
+          <a:p>
+            <a:endParaRPr kumimoji="1" lang="ja-JP" altLang="en-US"/>
+          </a:p>
+        </p:txBody>
+      </p:sp>
+      <p:sp>
+        <p:nvSpPr>
+          <p:cNvPr id="4" name="スライド番号プレースホルダー 3"/>
+          <p:cNvSpPr>
+            <a:spLocks noGrp="1"/>
+          </p:cNvSpPr>
+          <p:nvPr>
+            <p:ph type="sldNum" sz="quarter" idx="5"/>
+          </p:nvPr>
+        </p:nvSpPr>
+        <p:spPr/>
+        <p:txBody>
+          <a:bodyPr/>
+          <a:lstStyle/>
+          <a:p>
+            <a:fld id="{C4D11EA1-1CDE-3A48-ABF3-C0A6115CD9E0}" type="slidenum">
+              <a:rPr kumimoji="1" lang="ja-JP" altLang="en-US" smtClean="0"/>
+              <a:t>2</a:t>
+            </a:fld>
+            <a:endParaRPr kumimoji="1" lang="ja-JP" altLang="en-US"/>
+          </a:p>
+        </p:txBody>
+      </p:sp>
+    </p:spTree>
+    <p:extLst>
+      <p:ext uri="{BB962C8B-B14F-4D97-AF65-F5344CB8AC3E}">
+        <p14:creationId xmlns:p14="http://schemas.microsoft.com/office/powerpoint/2010/main" val="76611202"/>
+      </p:ext>
+    </p:extLst>
+  </p:cSld>
+  <p:clrMapOvr>
+    <a:masterClrMapping/>
+  </p:clrMapOvr>
+</p:notes>
 </file>
 
 <file path=ppt/slideLayouts/slideLayout1.xml><?xml version="1.0" encoding="utf-8"?>
@@ -6665,6 +7134,193 @@
 </p:sld>
 </file>
 
+<file path=ppt/slides/slide2.xml><?xml version="1.0" encoding="utf-8"?>
+<p:sld xmlns:a="http://schemas.openxmlformats.org/drawingml/2006/main" xmlns:r="http://schemas.openxmlformats.org/officeDocument/2006/relationships" xmlns:p="http://schemas.openxmlformats.org/presentationml/2006/main">
+  <p:cSld>
+    <p:spTree>
+      <p:nvGrpSpPr>
+        <p:cNvPr id="1" name=""/>
+        <p:cNvGrpSpPr/>
+        <p:nvPr/>
+      </p:nvGrpSpPr>
+      <p:grpSpPr>
+        <a:xfrm>
+          <a:off x="0" y="0"/>
+          <a:ext cx="0" cy="0"/>
+          <a:chOff x="0" y="0"/>
+          <a:chExt cx="0" cy="0"/>
+        </a:xfrm>
+      </p:grpSpPr>
+      <p:pic>
+        <p:nvPicPr>
+          <p:cNvPr id="8" name="図 7" descr="テーブル&#10;&#10;自動的に生成された説明">
+            <a:extLst>
+              <a:ext uri="{FF2B5EF4-FFF2-40B4-BE49-F238E27FC236}">
+                <a16:creationId xmlns:a16="http://schemas.microsoft.com/office/drawing/2014/main" id="{6E02CB59-393D-4098-61FC-8C97625368B9}"/>
+              </a:ext>
+            </a:extLst>
+          </p:cNvPr>
+          <p:cNvPicPr>
+            <a:picLocks noChangeAspect="1"/>
+          </p:cNvPicPr>
+          <p:nvPr/>
+        </p:nvPicPr>
+        <p:blipFill>
+          <a:blip r:embed="rId3"/>
+          <a:stretch>
+            <a:fillRect/>
+          </a:stretch>
+        </p:blipFill>
+        <p:spPr>
+          <a:xfrm>
+            <a:off x="572429" y="1019157"/>
+            <a:ext cx="10846419" cy="2125486"/>
+          </a:xfrm>
+          <a:prstGeom prst="rect">
+            <a:avLst/>
+          </a:prstGeom>
+        </p:spPr>
+      </p:pic>
+      <p:sp>
+        <p:nvSpPr>
+          <p:cNvPr id="4" name="正方形/長方形 3">
+            <a:extLst>
+              <a:ext uri="{FF2B5EF4-FFF2-40B4-BE49-F238E27FC236}">
+                <a16:creationId xmlns:a16="http://schemas.microsoft.com/office/drawing/2014/main" id="{2AB27B4D-DF8E-9429-9973-073A524C95ED}"/>
+              </a:ext>
+            </a:extLst>
+          </p:cNvPr>
+          <p:cNvSpPr/>
+          <p:nvPr/>
+        </p:nvSpPr>
+        <p:spPr>
+          <a:xfrm>
+            <a:off x="10058401" y="974553"/>
+            <a:ext cx="1326994" cy="2125486"/>
+          </a:xfrm>
+          <a:prstGeom prst="rect">
+            <a:avLst/>
+          </a:prstGeom>
+          <a:noFill/>
+          <a:ln w="28575">
+            <a:solidFill>
+              <a:srgbClr val="FF0000"/>
+            </a:solidFill>
+          </a:ln>
+        </p:spPr>
+        <p:style>
+          <a:lnRef idx="2">
+            <a:schemeClr val="accent1">
+              <a:shade val="50000"/>
+            </a:schemeClr>
+          </a:lnRef>
+          <a:fillRef idx="1">
+            <a:schemeClr val="accent1"/>
+          </a:fillRef>
+          <a:effectRef idx="0">
+            <a:schemeClr val="accent1"/>
+          </a:effectRef>
+          <a:fontRef idx="minor">
+            <a:schemeClr val="lt1"/>
+          </a:fontRef>
+        </p:style>
+        <p:txBody>
+          <a:bodyPr rtlCol="0" anchor="ctr"/>
+          <a:lstStyle/>
+          <a:p>
+            <a:pPr algn="ctr"/>
+            <a:endParaRPr kumimoji="1" lang="ja-JP" altLang="en-US"/>
+          </a:p>
+        </p:txBody>
+      </p:sp>
+      <p:sp>
+        <p:nvSpPr>
+          <p:cNvPr id="5" name="テキスト ボックス 4">
+            <a:extLst>
+              <a:ext uri="{FF2B5EF4-FFF2-40B4-BE49-F238E27FC236}">
+                <a16:creationId xmlns:a16="http://schemas.microsoft.com/office/drawing/2014/main" id="{6FFE5E22-F958-0604-53DE-DF0AC615405E}"/>
+              </a:ext>
+            </a:extLst>
+          </p:cNvPr>
+          <p:cNvSpPr txBox="1"/>
+          <p:nvPr/>
+        </p:nvSpPr>
+        <p:spPr>
+          <a:xfrm>
+            <a:off x="9952296" y="3167390"/>
+            <a:ext cx="1539204" cy="523220"/>
+          </a:xfrm>
+          <a:prstGeom prst="rect">
+            <a:avLst/>
+          </a:prstGeom>
+          <a:noFill/>
+        </p:spPr>
+        <p:txBody>
+          <a:bodyPr wrap="none" rtlCol="0">
+            <a:spAutoFit/>
+          </a:bodyPr>
+          <a:lstStyle/>
+          <a:p>
+            <a:r>
+              <a:rPr kumimoji="1" lang="ja-JP" altLang="en-US" sz="1400" b="1">
+                <a:solidFill>
+                  <a:srgbClr val="FF0000"/>
+                </a:solidFill>
+              </a:rPr>
+              <a:t>新しい行を挿入</a:t>
+            </a:r>
+            <a:endParaRPr kumimoji="1" lang="en-US" altLang="ja-JP" sz="1400" b="1" dirty="0">
+              <a:solidFill>
+                <a:srgbClr val="FF0000"/>
+              </a:solidFill>
+            </a:endParaRPr>
+          </a:p>
+          <a:p>
+            <a:r>
+              <a:rPr lang="ja-JP" altLang="en-US" sz="1400" b="1">
+                <a:solidFill>
+                  <a:srgbClr val="FF0000"/>
+                </a:solidFill>
+              </a:rPr>
+              <a:t>→ </a:t>
+            </a:r>
+            <a:r>
+              <a:rPr lang="en-US" altLang="ja-JP" sz="1400" b="1" dirty="0" err="1">
+                <a:solidFill>
+                  <a:srgbClr val="FF0000"/>
+                </a:solidFill>
+              </a:rPr>
+              <a:t>TrayID</a:t>
+            </a:r>
+            <a:r>
+              <a:rPr lang="ja-JP" altLang="en-US" sz="1400" b="1">
+                <a:solidFill>
+                  <a:srgbClr val="FF0000"/>
+                </a:solidFill>
+              </a:rPr>
+              <a:t>を入力</a:t>
+            </a:r>
+            <a:endParaRPr kumimoji="1" lang="ja-JP" altLang="en-US" sz="1400" b="1">
+              <a:solidFill>
+                <a:srgbClr val="FF0000"/>
+              </a:solidFill>
+            </a:endParaRPr>
+          </a:p>
+        </p:txBody>
+      </p:sp>
+    </p:spTree>
+    <p:extLst>
+      <p:ext uri="{BB962C8B-B14F-4D97-AF65-F5344CB8AC3E}">
+        <p14:creationId xmlns:p14="http://schemas.microsoft.com/office/powerpoint/2010/main" val="1028633648"/>
+      </p:ext>
+    </p:extLst>
+  </p:cSld>
+  <p:clrMapOvr>
+    <a:masterClrMapping/>
+  </p:clrMapOvr>
+</p:sld>
+</file>
+
 <file path=ppt/theme/theme1.xml><?xml version="1.0" encoding="utf-8"?>
 <a:theme xmlns:a="http://schemas.openxmlformats.org/drawingml/2006/main" name="Office テーマ">
   <a:themeElements>
@@ -6958,4 +7614,299 @@
     </a:ext>
   </a:extLst>
 </a:theme>
+</file>
+
+<file path=ppt/theme/theme2.xml><?xml version="1.0" encoding="utf-8"?>
+<a:theme xmlns:a="http://schemas.openxmlformats.org/drawingml/2006/main" name="Office テーマ">
+  <a:themeElements>
+    <a:clrScheme name="Office">
+      <a:dk1>
+        <a:sysClr val="windowText" lastClr="000000"/>
+      </a:dk1>
+      <a:lt1>
+        <a:sysClr val="window" lastClr="FFFFFF"/>
+      </a:lt1>
+      <a:dk2>
+        <a:srgbClr val="44546A"/>
+      </a:dk2>
+      <a:lt2>
+        <a:srgbClr val="E7E6E6"/>
+      </a:lt2>
+      <a:accent1>
+        <a:srgbClr val="4472C4"/>
+      </a:accent1>
+      <a:accent2>
+        <a:srgbClr val="ED7D31"/>
+      </a:accent2>
+      <a:accent3>
+        <a:srgbClr val="A5A5A5"/>
+      </a:accent3>
+      <a:accent4>
+        <a:srgbClr val="FFC000"/>
+      </a:accent4>
+      <a:accent5>
+        <a:srgbClr val="5B9BD5"/>
+      </a:accent5>
+      <a:accent6>
+        <a:srgbClr val="70AD47"/>
+      </a:accent6>
+      <a:hlink>
+        <a:srgbClr val="0563C1"/>
+      </a:hlink>
+      <a:folHlink>
+        <a:srgbClr val="954F72"/>
+      </a:folHlink>
+    </a:clrScheme>
+    <a:fontScheme name="Office">
+      <a:majorFont>
+        <a:latin typeface="游ゴシック Light" panose="020F0302020204030204"/>
+        <a:ea typeface=""/>
+        <a:cs typeface=""/>
+        <a:font script="Jpan" typeface="游ゴシック Light"/>
+        <a:font script="Hang" typeface="맑은 고딕"/>
+        <a:font script="Hans" typeface="等线 Light"/>
+        <a:font script="Hant" typeface="新細明體"/>
+        <a:font script="Arab" typeface="Times New Roman"/>
+        <a:font script="Hebr" typeface="Times New Roman"/>
+        <a:font script="Thai" typeface="Angsana New"/>
+        <a:font script="Ethi" typeface="Nyala"/>
+        <a:font script="Beng" typeface="Vrinda"/>
+        <a:font script="Gujr" typeface="Shruti"/>
+        <a:font script="Khmr" typeface="MoolBoran"/>
+        <a:font script="Knda" typeface="Tunga"/>
+        <a:font script="Guru" typeface="Raavi"/>
+        <a:font script="Cans" typeface="Euphemia"/>
+        <a:font script="Cher" typeface="Plantagenet Cherokee"/>
+        <a:font script="Yiii" typeface="Microsoft Yi Baiti"/>
+        <a:font script="Tibt" typeface="Microsoft Himalaya"/>
+        <a:font script="Thaa" typeface="MV Boli"/>
+        <a:font script="Deva" typeface="Mangal"/>
+        <a:font script="Telu" typeface="Gautami"/>
+        <a:font script="Taml" typeface="Latha"/>
+        <a:font script="Syrc" typeface="Estrangelo Edessa"/>
+        <a:font script="Orya" typeface="Kalinga"/>
+        <a:font script="Mlym" typeface="Kartika"/>
+        <a:font script="Laoo" typeface="DokChampa"/>
+        <a:font script="Sinh" typeface="Iskoola Pota"/>
+        <a:font script="Mong" typeface="Mongolian Baiti"/>
+        <a:font script="Viet" typeface="Times New Roman"/>
+        <a:font script="Uigh" typeface="Microsoft Uighur"/>
+        <a:font script="Geor" typeface="Sylfaen"/>
+        <a:font script="Armn" typeface="Arial"/>
+        <a:font script="Bugi" typeface="Leelawadee UI"/>
+        <a:font script="Bopo" typeface="Microsoft JhengHei"/>
+        <a:font script="Java" typeface="Javanese Text"/>
+        <a:font script="Lisu" typeface="Segoe UI"/>
+        <a:font script="Mymr" typeface="Myanmar Text"/>
+        <a:font script="Nkoo" typeface="Ebrima"/>
+        <a:font script="Olck" typeface="Nirmala UI"/>
+        <a:font script="Osma" typeface="Ebrima"/>
+        <a:font script="Phag" typeface="Phagspa"/>
+        <a:font script="Syrn" typeface="Estrangelo Edessa"/>
+        <a:font script="Syrj" typeface="Estrangelo Edessa"/>
+        <a:font script="Syre" typeface="Estrangelo Edessa"/>
+        <a:font script="Sora" typeface="Nirmala UI"/>
+        <a:font script="Tale" typeface="Microsoft Tai Le"/>
+        <a:font script="Talu" typeface="Microsoft New Tai Lue"/>
+        <a:font script="Tfng" typeface="Ebrima"/>
+      </a:majorFont>
+      <a:minorFont>
+        <a:latin typeface="游ゴシック" panose="020F0502020204030204"/>
+        <a:ea typeface=""/>
+        <a:cs typeface=""/>
+        <a:font script="Jpan" typeface="游ゴシック"/>
+        <a:font script="Hang" typeface="맑은 고딕"/>
+        <a:font script="Hans" typeface="等线"/>
+        <a:font script="Hant" typeface="新細明體"/>
+        <a:font script="Arab" typeface="Arial"/>
+        <a:font script="Hebr" typeface="Arial"/>
+        <a:font script="Thai" typeface="Cordia New"/>
+        <a:font script="Ethi" typeface="Nyala"/>
+        <a:font script="Beng" typeface="Vrinda"/>
+        <a:font script="Gujr" typeface="Shruti"/>
+        <a:font script="Khmr" typeface="DaunPenh"/>
+        <a:font script="Knda" typeface="Tunga"/>
+        <a:font script="Guru" typeface="Raavi"/>
+        <a:font script="Cans" typeface="Euphemia"/>
+        <a:font script="Cher" typeface="Plantagenet Cherokee"/>
+        <a:font script="Yiii" typeface="Microsoft Yi Baiti"/>
+        <a:font script="Tibt" typeface="Microsoft Himalaya"/>
+        <a:font script="Thaa" typeface="MV Boli"/>
+        <a:font script="Deva" typeface="Mangal"/>
+        <a:font script="Telu" typeface="Gautami"/>
+        <a:font script="Taml" typeface="Latha"/>
+        <a:font script="Syrc" typeface="Estrangelo Edessa"/>
+        <a:font script="Orya" typeface="Kalinga"/>
+        <a:font script="Mlym" typeface="Kartika"/>
+        <a:font script="Laoo" typeface="DokChampa"/>
+        <a:font script="Sinh" typeface="Iskoola Pota"/>
+        <a:font script="Mong" typeface="Mongolian Baiti"/>
+        <a:font script="Viet" typeface="Arial"/>
+        <a:font script="Uigh" typeface="Microsoft Uighur"/>
+        <a:font script="Geor" typeface="Sylfaen"/>
+        <a:font script="Armn" typeface="Arial"/>
+        <a:font script="Bugi" typeface="Leelawadee UI"/>
+        <a:font script="Bopo" typeface="Microsoft JhengHei"/>
+        <a:font script="Java" typeface="Javanese Text"/>
+        <a:font script="Lisu" typeface="Segoe UI"/>
+        <a:font script="Mymr" typeface="Myanmar Text"/>
+        <a:font script="Nkoo" typeface="Ebrima"/>
+        <a:font script="Olck" typeface="Nirmala UI"/>
+        <a:font script="Osma" typeface="Ebrima"/>
+        <a:font script="Phag" typeface="Phagspa"/>
+        <a:font script="Syrn" typeface="Estrangelo Edessa"/>
+        <a:font script="Syrj" typeface="Estrangelo Edessa"/>
+        <a:font script="Syre" typeface="Estrangelo Edessa"/>
+        <a:font script="Sora" typeface="Nirmala UI"/>
+        <a:font script="Tale" typeface="Microsoft Tai Le"/>
+        <a:font script="Talu" typeface="Microsoft New Tai Lue"/>
+        <a:font script="Tfng" typeface="Ebrima"/>
+      </a:minorFont>
+    </a:fontScheme>
+    <a:fmtScheme name="Office">
+      <a:fillStyleLst>
+        <a:solidFill>
+          <a:schemeClr val="phClr"/>
+        </a:solidFill>
+        <a:gradFill rotWithShape="1">
+          <a:gsLst>
+            <a:gs pos="0">
+              <a:schemeClr val="phClr">
+                <a:lumMod val="110000"/>
+                <a:satMod val="105000"/>
+                <a:tint val="67000"/>
+              </a:schemeClr>
+            </a:gs>
+            <a:gs pos="50000">
+              <a:schemeClr val="phClr">
+                <a:lumMod val="105000"/>
+                <a:satMod val="103000"/>
+                <a:tint val="73000"/>
+              </a:schemeClr>
+            </a:gs>
+            <a:gs pos="100000">
+              <a:schemeClr val="phClr">
+                <a:lumMod val="105000"/>
+                <a:satMod val="109000"/>
+                <a:tint val="81000"/>
+              </a:schemeClr>
+            </a:gs>
+          </a:gsLst>
+          <a:lin ang="5400000" scaled="0"/>
+        </a:gradFill>
+        <a:gradFill rotWithShape="1">
+          <a:gsLst>
+            <a:gs pos="0">
+              <a:schemeClr val="phClr">
+                <a:satMod val="103000"/>
+                <a:lumMod val="102000"/>
+                <a:tint val="94000"/>
+              </a:schemeClr>
+            </a:gs>
+            <a:gs pos="50000">
+              <a:schemeClr val="phClr">
+                <a:satMod val="110000"/>
+                <a:lumMod val="100000"/>
+                <a:shade val="100000"/>
+              </a:schemeClr>
+            </a:gs>
+            <a:gs pos="100000">
+              <a:schemeClr val="phClr">
+                <a:lumMod val="99000"/>
+                <a:satMod val="120000"/>
+                <a:shade val="78000"/>
+              </a:schemeClr>
+            </a:gs>
+          </a:gsLst>
+          <a:lin ang="5400000" scaled="0"/>
+        </a:gradFill>
+      </a:fillStyleLst>
+      <a:lnStyleLst>
+        <a:ln w="6350" cap="flat" cmpd="sng" algn="ctr">
+          <a:solidFill>
+            <a:schemeClr val="phClr"/>
+          </a:solidFill>
+          <a:prstDash val="solid"/>
+          <a:miter lim="800000"/>
+        </a:ln>
+        <a:ln w="12700" cap="flat" cmpd="sng" algn="ctr">
+          <a:solidFill>
+            <a:schemeClr val="phClr"/>
+          </a:solidFill>
+          <a:prstDash val="solid"/>
+          <a:miter lim="800000"/>
+        </a:ln>
+        <a:ln w="19050" cap="flat" cmpd="sng" algn="ctr">
+          <a:solidFill>
+            <a:schemeClr val="phClr"/>
+          </a:solidFill>
+          <a:prstDash val="solid"/>
+          <a:miter lim="800000"/>
+        </a:ln>
+      </a:lnStyleLst>
+      <a:effectStyleLst>
+        <a:effectStyle>
+          <a:effectLst/>
+        </a:effectStyle>
+        <a:effectStyle>
+          <a:effectLst/>
+        </a:effectStyle>
+        <a:effectStyle>
+          <a:effectLst>
+            <a:outerShdw blurRad="57150" dist="19050" dir="5400000" algn="ctr" rotWithShape="0">
+              <a:srgbClr val="000000">
+                <a:alpha val="63000"/>
+              </a:srgbClr>
+            </a:outerShdw>
+          </a:effectLst>
+        </a:effectStyle>
+      </a:effectStyleLst>
+      <a:bgFillStyleLst>
+        <a:solidFill>
+          <a:schemeClr val="phClr"/>
+        </a:solidFill>
+        <a:solidFill>
+          <a:schemeClr val="phClr">
+            <a:tint val="95000"/>
+            <a:satMod val="170000"/>
+          </a:schemeClr>
+        </a:solidFill>
+        <a:gradFill rotWithShape="1">
+          <a:gsLst>
+            <a:gs pos="0">
+              <a:schemeClr val="phClr">
+                <a:tint val="93000"/>
+                <a:satMod val="150000"/>
+                <a:shade val="98000"/>
+                <a:lumMod val="102000"/>
+              </a:schemeClr>
+            </a:gs>
+            <a:gs pos="50000">
+              <a:schemeClr val="phClr">
+                <a:tint val="98000"/>
+                <a:satMod val="130000"/>
+                <a:shade val="90000"/>
+                <a:lumMod val="103000"/>
+              </a:schemeClr>
+            </a:gs>
+            <a:gs pos="100000">
+              <a:schemeClr val="phClr">
+                <a:shade val="63000"/>
+                <a:satMod val="120000"/>
+              </a:schemeClr>
+            </a:gs>
+          </a:gsLst>
+          <a:lin ang="5400000" scaled="0"/>
+        </a:gradFill>
+      </a:bgFillStyleLst>
+    </a:fmtScheme>
+  </a:themeElements>
+  <a:objectDefaults/>
+  <a:extraClrSchemeLst/>
+  <a:extLst>
+    <a:ext uri="{05A4C25C-085E-4340-85A3-A5531E510DB2}">
+      <thm15:themeFamily xmlns:thm15="http://schemas.microsoft.com/office/thememl/2012/main" name="Office Theme" id="{62F939B6-93AF-4DB8-9C6B-D6C7DFDC589F}" vid="{4A3C46E8-61CC-4603-A589-7422A47A8E4A}"/>
+    </a:ext>
+  </a:extLst>
+</a:theme>
 </file>